--- a/Tutoriels/C0/img/zPaint.pptx
+++ b/Tutoriels/C0/img/zPaint.pptx
@@ -7,6 +7,8 @@
   <p:sldIdLst>
     <p:sldId id="256" r:id="rId2"/>
     <p:sldId id="257" r:id="rId3"/>
+    <p:sldId id="258" r:id="rId4"/>
+    <p:sldId id="260" r:id="rId5"/>
   </p:sldIdLst>
   <p:sldSz cx="9144000" cy="6858000" type="screen4x3"/>
   <p:notesSz cx="6858000" cy="9144000"/>
@@ -3397,16 +3399,7 @@
                 </a:solidFill>
                 <a:latin typeface="Arial Narrow" pitchFamily="34" charset="0"/>
               </a:rPr>
-              <a:t>(1) - </a:t>
-            </a:r>
-            <a:r>
-              <a:rPr lang="fr-FR" sz="1600" smtClean="0">
-                <a:solidFill>
-                  <a:srgbClr val="FF0000"/>
-                </a:solidFill>
-                <a:latin typeface="Arial Narrow" pitchFamily="34" charset="0"/>
-              </a:rPr>
-              <a:t>Processus d’aide</a:t>
+              <a:t>(1) - Processus d’aide</a:t>
             </a:r>
             <a:endParaRPr lang="fr-FR" sz="1600" dirty="0">
               <a:solidFill>
@@ -3494,6 +3487,445 @@
           <a:xfrm>
             <a:off x="2971800" y="2438400"/>
             <a:ext cx="3019425" cy="923925"/>
+          </a:xfrm>
+          <a:prstGeom prst="rect">
+            <a:avLst/>
+          </a:prstGeom>
+          <a:noFill/>
+          <a:ln w="9525">
+            <a:noFill/>
+            <a:miter lim="800000"/>
+            <a:headEnd/>
+            <a:tailEnd/>
+          </a:ln>
+          <a:effectLst/>
+        </p:spPr>
+      </p:pic>
+    </p:spTree>
+  </p:cSld>
+  <p:clrMapOvr>
+    <a:masterClrMapping/>
+  </p:clrMapOvr>
+</p:sld>
+</file>
+
+<file path=ppt/slides/slide3.xml><?xml version="1.0" encoding="utf-8"?>
+<p:sld xmlns:a="http://schemas.openxmlformats.org/drawingml/2006/main" xmlns:r="http://schemas.openxmlformats.org/officeDocument/2006/relationships" xmlns:p="http://schemas.openxmlformats.org/presentationml/2006/main">
+  <p:cSld>
+    <p:spTree>
+      <p:nvGrpSpPr>
+        <p:cNvPr id="1" name=""/>
+        <p:cNvGrpSpPr/>
+        <p:nvPr/>
+      </p:nvGrpSpPr>
+      <p:grpSpPr>
+        <a:xfrm>
+          <a:off x="0" y="0"/>
+          <a:ext cx="0" cy="0"/>
+          <a:chOff x="0" y="0"/>
+          <a:chExt cx="0" cy="0"/>
+        </a:xfrm>
+      </p:grpSpPr>
+      <p:sp>
+        <p:nvSpPr>
+          <p:cNvPr id="5" name="Rectangle 4"/>
+          <p:cNvSpPr/>
+          <p:nvPr/>
+        </p:nvSpPr>
+        <p:spPr>
+          <a:xfrm>
+            <a:off x="3414712" y="3281362"/>
+            <a:ext cx="2133600" cy="304800"/>
+          </a:xfrm>
+          <a:prstGeom prst="rect">
+            <a:avLst/>
+          </a:prstGeom>
+          <a:noFill/>
+          <a:ln>
+            <a:noFill/>
+          </a:ln>
+        </p:spPr>
+        <p:style>
+          <a:lnRef idx="2">
+            <a:schemeClr val="accent1">
+              <a:shade val="50000"/>
+            </a:schemeClr>
+          </a:lnRef>
+          <a:fillRef idx="1">
+            <a:schemeClr val="accent1"/>
+          </a:fillRef>
+          <a:effectRef idx="0">
+            <a:schemeClr val="accent1"/>
+          </a:effectRef>
+          <a:fontRef idx="minor">
+            <a:schemeClr val="lt1"/>
+          </a:fontRef>
+        </p:style>
+        <p:txBody>
+          <a:bodyPr rtlCol="0" anchor="ctr"/>
+          <a:lstStyle/>
+          <a:p>
+            <a:pPr algn="ctr"/>
+            <a:r>
+              <a:rPr lang="fr-FR" sz="1600" dirty="0" smtClean="0">
+                <a:solidFill>
+                  <a:srgbClr val="FF0000"/>
+                </a:solidFill>
+                <a:latin typeface="Arial Narrow" pitchFamily="34" charset="0"/>
+              </a:rPr>
+              <a:t>(1) - Exécution</a:t>
+            </a:r>
+            <a:endParaRPr lang="fr-FR" sz="1600" dirty="0">
+              <a:solidFill>
+                <a:srgbClr val="FF0000"/>
+              </a:solidFill>
+              <a:latin typeface="Arial Narrow" pitchFamily="34" charset="0"/>
+            </a:endParaRPr>
+          </a:p>
+        </p:txBody>
+      </p:sp>
+      <p:sp>
+        <p:nvSpPr>
+          <p:cNvPr id="23" name="Rectangle 22"/>
+          <p:cNvSpPr/>
+          <p:nvPr/>
+        </p:nvSpPr>
+        <p:spPr>
+          <a:xfrm>
+            <a:off x="3124200" y="1981200"/>
+            <a:ext cx="3124200" cy="381000"/>
+          </a:xfrm>
+          <a:prstGeom prst="rect">
+            <a:avLst/>
+          </a:prstGeom>
+          <a:noFill/>
+          <a:ln>
+            <a:noFill/>
+          </a:ln>
+        </p:spPr>
+        <p:style>
+          <a:lnRef idx="2">
+            <a:schemeClr val="accent1">
+              <a:shade val="50000"/>
+            </a:schemeClr>
+          </a:lnRef>
+          <a:fillRef idx="1">
+            <a:schemeClr val="accent1"/>
+          </a:fillRef>
+          <a:effectRef idx="0">
+            <a:schemeClr val="accent1"/>
+          </a:effectRef>
+          <a:fontRef idx="minor">
+            <a:schemeClr val="lt1"/>
+          </a:fontRef>
+        </p:style>
+        <p:txBody>
+          <a:bodyPr rtlCol="0" anchor="ctr"/>
+          <a:lstStyle/>
+          <a:p>
+            <a:pPr algn="ctr"/>
+            <a:r>
+              <a:rPr lang="fr-FR" sz="1600" b="1" dirty="0" smtClean="0">
+                <a:solidFill>
+                  <a:schemeClr val="accent3"/>
+                </a:solidFill>
+                <a:latin typeface="Arial Narrow" pitchFamily="34" charset="0"/>
+              </a:rPr>
+              <a:t>Programme des commandes shell</a:t>
+            </a:r>
+            <a:endParaRPr lang="fr-FR" sz="1600" b="1" dirty="0">
+              <a:solidFill>
+                <a:schemeClr val="accent3"/>
+              </a:solidFill>
+              <a:latin typeface="Arial Narrow" pitchFamily="34" charset="0"/>
+            </a:endParaRPr>
+          </a:p>
+        </p:txBody>
+      </p:sp>
+      <p:pic>
+        <p:nvPicPr>
+          <p:cNvPr id="3076" name="Picture 4"/>
+          <p:cNvPicPr>
+            <a:picLocks noChangeAspect="1" noChangeArrowheads="1"/>
+          </p:cNvPicPr>
+          <p:nvPr/>
+        </p:nvPicPr>
+        <p:blipFill>
+          <a:blip r:embed="rId2"/>
+          <a:srcRect/>
+          <a:stretch>
+            <a:fillRect/>
+          </a:stretch>
+        </p:blipFill>
+        <p:spPr bwMode="auto">
+          <a:xfrm>
+            <a:off x="2362200" y="2514600"/>
+            <a:ext cx="4391025" cy="790575"/>
+          </a:xfrm>
+          <a:prstGeom prst="rect">
+            <a:avLst/>
+          </a:prstGeom>
+          <a:noFill/>
+          <a:ln w="9525">
+            <a:noFill/>
+            <a:miter lim="800000"/>
+            <a:headEnd/>
+            <a:tailEnd/>
+          </a:ln>
+          <a:effectLst/>
+        </p:spPr>
+      </p:pic>
+      <p:pic>
+        <p:nvPicPr>
+          <p:cNvPr id="3077" name="Picture 5"/>
+          <p:cNvPicPr>
+            <a:picLocks noChangeAspect="1" noChangeArrowheads="1"/>
+          </p:cNvPicPr>
+          <p:nvPr/>
+        </p:nvPicPr>
+        <p:blipFill>
+          <a:blip r:embed="rId3"/>
+          <a:srcRect/>
+          <a:stretch>
+            <a:fillRect/>
+          </a:stretch>
+        </p:blipFill>
+        <p:spPr bwMode="auto">
+          <a:xfrm>
+            <a:off x="3733800" y="3733800"/>
+            <a:ext cx="1647825" cy="285750"/>
+          </a:xfrm>
+          <a:prstGeom prst="rect">
+            <a:avLst/>
+          </a:prstGeom>
+          <a:noFill/>
+          <a:ln w="9525">
+            <a:noFill/>
+            <a:miter lim="800000"/>
+            <a:headEnd/>
+            <a:tailEnd/>
+          </a:ln>
+          <a:effectLst/>
+        </p:spPr>
+      </p:pic>
+      <p:sp>
+        <p:nvSpPr>
+          <p:cNvPr id="9" name="Rectangle 8"/>
+          <p:cNvSpPr/>
+          <p:nvPr/>
+        </p:nvSpPr>
+        <p:spPr>
+          <a:xfrm>
+            <a:off x="3429000" y="3962400"/>
+            <a:ext cx="2133600" cy="304800"/>
+          </a:xfrm>
+          <a:prstGeom prst="rect">
+            <a:avLst/>
+          </a:prstGeom>
+          <a:noFill/>
+          <a:ln>
+            <a:noFill/>
+          </a:ln>
+        </p:spPr>
+        <p:style>
+          <a:lnRef idx="2">
+            <a:schemeClr val="accent1">
+              <a:shade val="50000"/>
+            </a:schemeClr>
+          </a:lnRef>
+          <a:fillRef idx="1">
+            <a:schemeClr val="accent1"/>
+          </a:fillRef>
+          <a:effectRef idx="0">
+            <a:schemeClr val="accent1"/>
+          </a:effectRef>
+          <a:fontRef idx="minor">
+            <a:schemeClr val="lt1"/>
+          </a:fontRef>
+        </p:style>
+        <p:txBody>
+          <a:bodyPr rtlCol="0" anchor="ctr"/>
+          <a:lstStyle/>
+          <a:p>
+            <a:pPr algn="ctr"/>
+            <a:r>
+              <a:rPr lang="fr-FR" sz="1600" dirty="0" smtClean="0">
+                <a:solidFill>
+                  <a:srgbClr val="FF0000"/>
+                </a:solidFill>
+                <a:latin typeface="Arial Narrow" pitchFamily="34" charset="0"/>
+              </a:rPr>
+              <a:t>(2) - Résultat</a:t>
+            </a:r>
+            <a:endParaRPr lang="fr-FR" sz="1600" dirty="0">
+              <a:solidFill>
+                <a:srgbClr val="FF0000"/>
+              </a:solidFill>
+              <a:latin typeface="Arial Narrow" pitchFamily="34" charset="0"/>
+            </a:endParaRPr>
+          </a:p>
+        </p:txBody>
+      </p:sp>
+    </p:spTree>
+  </p:cSld>
+  <p:clrMapOvr>
+    <a:masterClrMapping/>
+  </p:clrMapOvr>
+</p:sld>
+</file>
+
+<file path=ppt/slides/slide4.xml><?xml version="1.0" encoding="utf-8"?>
+<p:sld xmlns:a="http://schemas.openxmlformats.org/drawingml/2006/main" xmlns:r="http://schemas.openxmlformats.org/officeDocument/2006/relationships" xmlns:p="http://schemas.openxmlformats.org/presentationml/2006/main">
+  <p:cSld>
+    <p:spTree>
+      <p:nvGrpSpPr>
+        <p:cNvPr id="1" name=""/>
+        <p:cNvGrpSpPr/>
+        <p:nvPr/>
+      </p:nvGrpSpPr>
+      <p:grpSpPr>
+        <a:xfrm>
+          <a:off x="0" y="0"/>
+          <a:ext cx="0" cy="0"/>
+          <a:chOff x="0" y="0"/>
+          <a:chExt cx="0" cy="0"/>
+        </a:xfrm>
+      </p:grpSpPr>
+      <p:sp>
+        <p:nvSpPr>
+          <p:cNvPr id="23" name="Rectangle 22"/>
+          <p:cNvSpPr/>
+          <p:nvPr/>
+        </p:nvSpPr>
+        <p:spPr>
+          <a:xfrm>
+            <a:off x="2438400" y="2209800"/>
+            <a:ext cx="4267200" cy="381000"/>
+          </a:xfrm>
+          <a:prstGeom prst="rect">
+            <a:avLst/>
+          </a:prstGeom>
+          <a:noFill/>
+          <a:ln>
+            <a:noFill/>
+          </a:ln>
+        </p:spPr>
+        <p:style>
+          <a:lnRef idx="2">
+            <a:schemeClr val="accent1">
+              <a:shade val="50000"/>
+            </a:schemeClr>
+          </a:lnRef>
+          <a:fillRef idx="1">
+            <a:schemeClr val="accent1"/>
+          </a:fillRef>
+          <a:effectRef idx="0">
+            <a:schemeClr val="accent1"/>
+          </a:effectRef>
+          <a:fontRef idx="minor">
+            <a:schemeClr val="lt1"/>
+          </a:fontRef>
+        </p:style>
+        <p:txBody>
+          <a:bodyPr rtlCol="0" anchor="ctr"/>
+          <a:lstStyle/>
+          <a:p>
+            <a:pPr algn="ctr"/>
+            <a:r>
+              <a:rPr lang="fr-FR" sz="1600" b="1" dirty="0" smtClean="0">
+                <a:solidFill>
+                  <a:schemeClr val="accent3"/>
+                </a:solidFill>
+                <a:latin typeface="Arial Narrow" pitchFamily="34" charset="0"/>
+              </a:rPr>
+              <a:t>Programme sur les données CSV</a:t>
+            </a:r>
+            <a:endParaRPr lang="fr-FR" sz="1600" b="1" dirty="0">
+              <a:solidFill>
+                <a:schemeClr val="accent3"/>
+              </a:solidFill>
+              <a:latin typeface="Arial Narrow" pitchFamily="34" charset="0"/>
+            </a:endParaRPr>
+          </a:p>
+        </p:txBody>
+      </p:sp>
+      <p:sp>
+        <p:nvSpPr>
+          <p:cNvPr id="9" name="Rectangle 8"/>
+          <p:cNvSpPr/>
+          <p:nvPr/>
+        </p:nvSpPr>
+        <p:spPr>
+          <a:xfrm>
+            <a:off x="3429000" y="3505200"/>
+            <a:ext cx="2133600" cy="304800"/>
+          </a:xfrm>
+          <a:prstGeom prst="rect">
+            <a:avLst/>
+          </a:prstGeom>
+          <a:noFill/>
+          <a:ln>
+            <a:noFill/>
+          </a:ln>
+        </p:spPr>
+        <p:style>
+          <a:lnRef idx="2">
+            <a:schemeClr val="accent1">
+              <a:shade val="50000"/>
+            </a:schemeClr>
+          </a:lnRef>
+          <a:fillRef idx="1">
+            <a:schemeClr val="accent1"/>
+          </a:fillRef>
+          <a:effectRef idx="0">
+            <a:schemeClr val="accent1"/>
+          </a:effectRef>
+          <a:fontRef idx="minor">
+            <a:schemeClr val="lt1"/>
+          </a:fontRef>
+        </p:style>
+        <p:txBody>
+          <a:bodyPr rtlCol="0" anchor="ctr"/>
+          <a:lstStyle/>
+          <a:p>
+            <a:pPr algn="ctr"/>
+            <a:r>
+              <a:rPr lang="fr-FR" sz="1600" dirty="0" smtClean="0">
+                <a:solidFill>
+                  <a:srgbClr val="FF0000"/>
+                </a:solidFill>
+                <a:latin typeface="Arial Narrow" pitchFamily="34" charset="0"/>
+              </a:rPr>
+              <a:t>(1) - Résultat</a:t>
+            </a:r>
+            <a:endParaRPr lang="fr-FR" sz="1600" dirty="0">
+              <a:solidFill>
+                <a:srgbClr val="FF0000"/>
+              </a:solidFill>
+              <a:latin typeface="Arial Narrow" pitchFamily="34" charset="0"/>
+            </a:endParaRPr>
+          </a:p>
+        </p:txBody>
+      </p:sp>
+      <p:pic>
+        <p:nvPicPr>
+          <p:cNvPr id="5123" name="Picture 3"/>
+          <p:cNvPicPr>
+            <a:picLocks noChangeAspect="1" noChangeArrowheads="1"/>
+          </p:cNvPicPr>
+          <p:nvPr/>
+        </p:nvPicPr>
+        <p:blipFill>
+          <a:blip r:embed="rId2"/>
+          <a:srcRect/>
+          <a:stretch>
+            <a:fillRect/>
+          </a:stretch>
+        </p:blipFill>
+        <p:spPr bwMode="auto">
+          <a:xfrm>
+            <a:off x="2667000" y="2667000"/>
+            <a:ext cx="3886200" cy="809625"/>
           </a:xfrm>
           <a:prstGeom prst="rect">
             <a:avLst/>

--- a/Tutoriels/C0/img/zPaint.pptx
+++ b/Tutoriels/C0/img/zPaint.pptx
@@ -9,6 +9,7 @@
     <p:sldId id="257" r:id="rId3"/>
     <p:sldId id="258" r:id="rId4"/>
     <p:sldId id="260" r:id="rId5"/>
+    <p:sldId id="261" r:id="rId6"/>
   </p:sldIdLst>
   <p:sldSz cx="9144000" cy="6858000" type="screen4x3"/>
   <p:notesSz cx="6858000" cy="9144000"/>
@@ -3775,6 +3776,180 @@
 </file>
 
 <file path=ppt/slides/slide4.xml><?xml version="1.0" encoding="utf-8"?>
+<p:sld xmlns:a="http://schemas.openxmlformats.org/drawingml/2006/main" xmlns:r="http://schemas.openxmlformats.org/officeDocument/2006/relationships" xmlns:p="http://schemas.openxmlformats.org/presentationml/2006/main">
+  <p:cSld>
+    <p:spTree>
+      <p:nvGrpSpPr>
+        <p:cNvPr id="1" name=""/>
+        <p:cNvGrpSpPr/>
+        <p:nvPr/>
+      </p:nvGrpSpPr>
+      <p:grpSpPr>
+        <a:xfrm>
+          <a:off x="0" y="0"/>
+          <a:ext cx="0" cy="0"/>
+          <a:chOff x="0" y="0"/>
+          <a:chExt cx="0" cy="0"/>
+        </a:xfrm>
+      </p:grpSpPr>
+      <p:sp>
+        <p:nvSpPr>
+          <p:cNvPr id="23" name="Rectangle 22"/>
+          <p:cNvSpPr/>
+          <p:nvPr/>
+        </p:nvSpPr>
+        <p:spPr>
+          <a:xfrm>
+            <a:off x="2438400" y="2209800"/>
+            <a:ext cx="4267200" cy="381000"/>
+          </a:xfrm>
+          <a:prstGeom prst="rect">
+            <a:avLst/>
+          </a:prstGeom>
+          <a:noFill/>
+          <a:ln>
+            <a:noFill/>
+          </a:ln>
+        </p:spPr>
+        <p:style>
+          <a:lnRef idx="2">
+            <a:schemeClr val="accent1">
+              <a:shade val="50000"/>
+            </a:schemeClr>
+          </a:lnRef>
+          <a:fillRef idx="1">
+            <a:schemeClr val="accent1"/>
+          </a:fillRef>
+          <a:effectRef idx="0">
+            <a:schemeClr val="accent1"/>
+          </a:effectRef>
+          <a:fontRef idx="minor">
+            <a:schemeClr val="lt1"/>
+          </a:fontRef>
+        </p:style>
+        <p:txBody>
+          <a:bodyPr rtlCol="0" anchor="ctr"/>
+          <a:lstStyle/>
+          <a:p>
+            <a:pPr algn="ctr"/>
+            <a:r>
+              <a:rPr lang="fr-FR" sz="1600" b="1" dirty="0" smtClean="0">
+                <a:solidFill>
+                  <a:schemeClr val="accent3"/>
+                </a:solidFill>
+                <a:latin typeface="Arial Narrow" pitchFamily="34" charset="0"/>
+              </a:rPr>
+              <a:t>Programme sur les données de configuration</a:t>
+            </a:r>
+            <a:endParaRPr lang="fr-FR" sz="1600" b="1" dirty="0">
+              <a:solidFill>
+                <a:schemeClr val="accent3"/>
+              </a:solidFill>
+              <a:latin typeface="Arial Narrow" pitchFamily="34" charset="0"/>
+            </a:endParaRPr>
+          </a:p>
+        </p:txBody>
+      </p:sp>
+      <p:sp>
+        <p:nvSpPr>
+          <p:cNvPr id="9" name="Rectangle 8"/>
+          <p:cNvSpPr/>
+          <p:nvPr/>
+        </p:nvSpPr>
+        <p:spPr>
+          <a:xfrm>
+            <a:off x="3429000" y="3505200"/>
+            <a:ext cx="2133600" cy="304800"/>
+          </a:xfrm>
+          <a:prstGeom prst="rect">
+            <a:avLst/>
+          </a:prstGeom>
+          <a:noFill/>
+          <a:ln>
+            <a:noFill/>
+          </a:ln>
+        </p:spPr>
+        <p:style>
+          <a:lnRef idx="2">
+            <a:schemeClr val="accent1">
+              <a:shade val="50000"/>
+            </a:schemeClr>
+          </a:lnRef>
+          <a:fillRef idx="1">
+            <a:schemeClr val="accent1"/>
+          </a:fillRef>
+          <a:effectRef idx="0">
+            <a:schemeClr val="accent1"/>
+          </a:effectRef>
+          <a:fontRef idx="minor">
+            <a:schemeClr val="lt1"/>
+          </a:fontRef>
+        </p:style>
+        <p:txBody>
+          <a:bodyPr rtlCol="0" anchor="ctr"/>
+          <a:lstStyle/>
+          <a:p>
+            <a:pPr algn="ctr"/>
+            <a:r>
+              <a:rPr lang="fr-FR" sz="1600" dirty="0" smtClean="0">
+                <a:solidFill>
+                  <a:srgbClr val="FF0000"/>
+                </a:solidFill>
+                <a:latin typeface="Arial Narrow" pitchFamily="34" charset="0"/>
+              </a:rPr>
+              <a:t>(1) - Résultat</a:t>
+            </a:r>
+            <a:endParaRPr lang="fr-FR" sz="1600" dirty="0">
+              <a:solidFill>
+                <a:srgbClr val="FF0000"/>
+              </a:solidFill>
+              <a:latin typeface="Arial Narrow" pitchFamily="34" charset="0"/>
+            </a:endParaRPr>
+          </a:p>
+        </p:txBody>
+      </p:sp>
+      <p:pic>
+        <p:nvPicPr>
+          <p:cNvPr id="5124" name="Picture 4"/>
+          <p:cNvPicPr>
+            <a:picLocks noChangeAspect="1" noChangeArrowheads="1"/>
+          </p:cNvPicPr>
+          <p:nvPr/>
+        </p:nvPicPr>
+        <p:blipFill>
+          <a:blip r:embed="rId2"/>
+          <a:srcRect/>
+          <a:stretch>
+            <a:fillRect/>
+          </a:stretch>
+        </p:blipFill>
+        <p:spPr bwMode="auto">
+          <a:xfrm>
+            <a:off x="3505200" y="2667000"/>
+            <a:ext cx="1895475" cy="819150"/>
+          </a:xfrm>
+          <a:prstGeom prst="rect">
+            <a:avLst/>
+          </a:prstGeom>
+          <a:noFill/>
+          <a:ln w="9525">
+            <a:noFill/>
+            <a:miter lim="800000"/>
+            <a:headEnd/>
+            <a:tailEnd/>
+          </a:ln>
+          <a:effectLst/>
+        </p:spPr>
+      </p:pic>
+    </p:spTree>
+  </p:cSld>
+  <p:clrMapOvr>
+    <a:masterClrMapping/>
+  </p:clrMapOvr>
+</p:sld>
+</file>
+
+<file path=ppt/slides/slide5.xml><?xml version="1.0" encoding="utf-8"?>
 <p:sld xmlns:a="http://schemas.openxmlformats.org/drawingml/2006/main" xmlns:r="http://schemas.openxmlformats.org/officeDocument/2006/relationships" xmlns:p="http://schemas.openxmlformats.org/presentationml/2006/main">
   <p:cSld>
     <p:spTree>
